--- a/DEPBOTS- Project Presentation.pptx
+++ b/DEPBOTS- Project Presentation.pptx
@@ -10026,36 +10026,6 @@
           </a:p>
         </p:txBody>
       </p:sp>
-      <p:pic>
-        <p:nvPicPr>
-          <p:cNvPr id="2" name="Picture 1">
-            <a:extLst>
-              <a:ext uri="{FF2B5EF4-FFF2-40B4-BE49-F238E27FC236}">
-                <a16:creationId xmlns:a16="http://schemas.microsoft.com/office/drawing/2014/main" id="{A1AF1AE5-EE31-C06F-C182-8DDB5CF5D77A}"/>
-              </a:ext>
-            </a:extLst>
-          </p:cNvPr>
-          <p:cNvPicPr>
-            <a:picLocks noChangeAspect="1"/>
-          </p:cNvPicPr>
-          <p:nvPr/>
-        </p:nvPicPr>
-        <p:blipFill>
-          <a:blip r:embed="rId3"/>
-          <a:stretch>
-            <a:fillRect/>
-          </a:stretch>
-        </p:blipFill>
-        <p:spPr>
-          <a:xfrm>
-            <a:off x="7336631" y="190500"/>
-            <a:ext cx="1595233" cy="792600"/>
-          </a:xfrm>
-          <a:prstGeom prst="rect">
-            <a:avLst/>
-          </a:prstGeom>
-        </p:spPr>
-      </p:pic>
     </p:spTree>
   </p:cSld>
   <p:clrMapOvr>
@@ -10328,36 +10298,6 @@
           </a:p>
         </p:txBody>
       </p:sp>
-      <p:pic>
-        <p:nvPicPr>
-          <p:cNvPr id="2" name="Picture 1">
-            <a:extLst>
-              <a:ext uri="{FF2B5EF4-FFF2-40B4-BE49-F238E27FC236}">
-                <a16:creationId xmlns:a16="http://schemas.microsoft.com/office/drawing/2014/main" id="{9A4CA8EA-1EF5-7E4B-B047-ECB4F1D6AAE7}"/>
-              </a:ext>
-            </a:extLst>
-          </p:cNvPr>
-          <p:cNvPicPr>
-            <a:picLocks noChangeAspect="1"/>
-          </p:cNvPicPr>
-          <p:nvPr/>
-        </p:nvPicPr>
-        <p:blipFill>
-          <a:blip r:embed="rId3"/>
-          <a:stretch>
-            <a:fillRect/>
-          </a:stretch>
-        </p:blipFill>
-        <p:spPr>
-          <a:xfrm>
-            <a:off x="7336631" y="190500"/>
-            <a:ext cx="1595233" cy="792600"/>
-          </a:xfrm>
-          <a:prstGeom prst="rect">
-            <a:avLst/>
-          </a:prstGeom>
-        </p:spPr>
-      </p:pic>
     </p:spTree>
   </p:cSld>
   <p:clrMapOvr>
@@ -10509,36 +10449,6 @@
           </a:p>
         </p:txBody>
       </p:sp>
-      <p:pic>
-        <p:nvPicPr>
-          <p:cNvPr id="2" name="Picture 1">
-            <a:extLst>
-              <a:ext uri="{FF2B5EF4-FFF2-40B4-BE49-F238E27FC236}">
-                <a16:creationId xmlns:a16="http://schemas.microsoft.com/office/drawing/2014/main" id="{73B9E58E-1C52-AE8F-F7A7-DB12E11D4E15}"/>
-              </a:ext>
-            </a:extLst>
-          </p:cNvPr>
-          <p:cNvPicPr>
-            <a:picLocks noChangeAspect="1"/>
-          </p:cNvPicPr>
-          <p:nvPr/>
-        </p:nvPicPr>
-        <p:blipFill>
-          <a:blip r:embed="rId3"/>
-          <a:stretch>
-            <a:fillRect/>
-          </a:stretch>
-        </p:blipFill>
-        <p:spPr>
-          <a:xfrm>
-            <a:off x="7336631" y="190500"/>
-            <a:ext cx="1595233" cy="792600"/>
-          </a:xfrm>
-          <a:prstGeom prst="rect">
-            <a:avLst/>
-          </a:prstGeom>
-        </p:spPr>
-      </p:pic>
     </p:spTree>
   </p:cSld>
   <p:clrMapOvr>
@@ -10949,36 +10859,6 @@
           </a:p>
         </p:txBody>
       </p:sp>
-      <p:pic>
-        <p:nvPicPr>
-          <p:cNvPr id="2" name="Picture 1">
-            <a:extLst>
-              <a:ext uri="{FF2B5EF4-FFF2-40B4-BE49-F238E27FC236}">
-                <a16:creationId xmlns:a16="http://schemas.microsoft.com/office/drawing/2014/main" id="{53BB743F-3CFA-E132-E7CC-C1A7E1D056E9}"/>
-              </a:ext>
-            </a:extLst>
-          </p:cNvPr>
-          <p:cNvPicPr>
-            <a:picLocks noChangeAspect="1"/>
-          </p:cNvPicPr>
-          <p:nvPr/>
-        </p:nvPicPr>
-        <p:blipFill>
-          <a:blip r:embed="rId3"/>
-          <a:stretch>
-            <a:fillRect/>
-          </a:stretch>
-        </p:blipFill>
-        <p:spPr>
-          <a:xfrm>
-            <a:off x="7336631" y="190500"/>
-            <a:ext cx="1595233" cy="792600"/>
-          </a:xfrm>
-          <a:prstGeom prst="rect">
-            <a:avLst/>
-          </a:prstGeom>
-        </p:spPr>
-      </p:pic>
     </p:spTree>
   </p:cSld>
   <p:clrMapOvr>
@@ -11186,36 +11066,6 @@
           </a:p>
         </p:txBody>
       </p:sp>
-      <p:pic>
-        <p:nvPicPr>
-          <p:cNvPr id="2" name="Picture 1">
-            <a:extLst>
-              <a:ext uri="{FF2B5EF4-FFF2-40B4-BE49-F238E27FC236}">
-                <a16:creationId xmlns:a16="http://schemas.microsoft.com/office/drawing/2014/main" id="{E6E16FFA-A3F9-F05D-FF00-3413B79714D3}"/>
-              </a:ext>
-            </a:extLst>
-          </p:cNvPr>
-          <p:cNvPicPr>
-            <a:picLocks noChangeAspect="1"/>
-          </p:cNvPicPr>
-          <p:nvPr/>
-        </p:nvPicPr>
-        <p:blipFill>
-          <a:blip r:embed="rId4"/>
-          <a:stretch>
-            <a:fillRect/>
-          </a:stretch>
-        </p:blipFill>
-        <p:spPr>
-          <a:xfrm>
-            <a:off x="7336631" y="190500"/>
-            <a:ext cx="1595233" cy="792600"/>
-          </a:xfrm>
-          <a:prstGeom prst="rect">
-            <a:avLst/>
-          </a:prstGeom>
-        </p:spPr>
-      </p:pic>
     </p:spTree>
   </p:cSld>
   <p:clrMapOvr>
@@ -11421,36 +11271,6 @@
           </a:p>
         </p:txBody>
       </p:sp>
-      <p:pic>
-        <p:nvPicPr>
-          <p:cNvPr id="2" name="Picture 1">
-            <a:extLst>
-              <a:ext uri="{FF2B5EF4-FFF2-40B4-BE49-F238E27FC236}">
-                <a16:creationId xmlns:a16="http://schemas.microsoft.com/office/drawing/2014/main" id="{8C09A71E-5134-4098-43FD-15CB4D6C1C93}"/>
-              </a:ext>
-            </a:extLst>
-          </p:cNvPr>
-          <p:cNvPicPr>
-            <a:picLocks noChangeAspect="1"/>
-          </p:cNvPicPr>
-          <p:nvPr/>
-        </p:nvPicPr>
-        <p:blipFill>
-          <a:blip r:embed="rId3"/>
-          <a:stretch>
-            <a:fillRect/>
-          </a:stretch>
-        </p:blipFill>
-        <p:spPr>
-          <a:xfrm>
-            <a:off x="7336631" y="190500"/>
-            <a:ext cx="1595233" cy="792600"/>
-          </a:xfrm>
-          <a:prstGeom prst="rect">
-            <a:avLst/>
-          </a:prstGeom>
-        </p:spPr>
-      </p:pic>
     </p:spTree>
   </p:cSld>
   <p:clrMapOvr>
@@ -11662,36 +11482,6 @@
           </a:p>
         </p:txBody>
       </p:sp>
-      <p:pic>
-        <p:nvPicPr>
-          <p:cNvPr id="2" name="Picture 1">
-            <a:extLst>
-              <a:ext uri="{FF2B5EF4-FFF2-40B4-BE49-F238E27FC236}">
-                <a16:creationId xmlns:a16="http://schemas.microsoft.com/office/drawing/2014/main" id="{D73B0B8F-924E-3470-BC05-02F6FCFA5139}"/>
-              </a:ext>
-            </a:extLst>
-          </p:cNvPr>
-          <p:cNvPicPr>
-            <a:picLocks noChangeAspect="1"/>
-          </p:cNvPicPr>
-          <p:nvPr/>
-        </p:nvPicPr>
-        <p:blipFill>
-          <a:blip r:embed="rId4"/>
-          <a:stretch>
-            <a:fillRect/>
-          </a:stretch>
-        </p:blipFill>
-        <p:spPr>
-          <a:xfrm>
-            <a:off x="7336631" y="190500"/>
-            <a:ext cx="1595233" cy="792600"/>
-          </a:xfrm>
-          <a:prstGeom prst="rect">
-            <a:avLst/>
-          </a:prstGeom>
-        </p:spPr>
-      </p:pic>
     </p:spTree>
   </p:cSld>
   <p:clrMapOvr>
